--- a/sources/sifloogo.pptx
+++ b/sources/sifloogo.pptx
@@ -8,6 +8,7 @@
     <p:sldId id="256" r:id="rId2"/>
     <p:sldId id="257" r:id="rId3"/>
     <p:sldId id="258" r:id="rId4"/>
+    <p:sldId id="259" r:id="rId5"/>
   </p:sldIdLst>
   <p:sldSz cx="9144000" cy="6858000" type="screen4x3"/>
   <p:notesSz cx="6858000" cy="9144000"/>
@@ -290,7 +291,7 @@
           <a:p>
             <a:fld id="{82A1039A-334B-47FD-A92A-C41DEBA60EED}" type="datetimeFigureOut">
               <a:rPr lang="es-VE" smtClean="0"/>
-              <a:t>09/05/2019</a:t>
+              <a:t>17/05/2019</a:t>
             </a:fld>
             <a:endParaRPr lang="es-VE"/>
           </a:p>
@@ -460,7 +461,7 @@
           <a:p>
             <a:fld id="{82A1039A-334B-47FD-A92A-C41DEBA60EED}" type="datetimeFigureOut">
               <a:rPr lang="es-VE" smtClean="0"/>
-              <a:t>09/05/2019</a:t>
+              <a:t>17/05/2019</a:t>
             </a:fld>
             <a:endParaRPr lang="es-VE"/>
           </a:p>
@@ -640,7 +641,7 @@
           <a:p>
             <a:fld id="{82A1039A-334B-47FD-A92A-C41DEBA60EED}" type="datetimeFigureOut">
               <a:rPr lang="es-VE" smtClean="0"/>
-              <a:t>09/05/2019</a:t>
+              <a:t>17/05/2019</a:t>
             </a:fld>
             <a:endParaRPr lang="es-VE"/>
           </a:p>
@@ -810,7 +811,7 @@
           <a:p>
             <a:fld id="{82A1039A-334B-47FD-A92A-C41DEBA60EED}" type="datetimeFigureOut">
               <a:rPr lang="es-VE" smtClean="0"/>
-              <a:t>09/05/2019</a:t>
+              <a:t>17/05/2019</a:t>
             </a:fld>
             <a:endParaRPr lang="es-VE"/>
           </a:p>
@@ -1056,7 +1057,7 @@
           <a:p>
             <a:fld id="{82A1039A-334B-47FD-A92A-C41DEBA60EED}" type="datetimeFigureOut">
               <a:rPr lang="es-VE" smtClean="0"/>
-              <a:t>09/05/2019</a:t>
+              <a:t>17/05/2019</a:t>
             </a:fld>
             <a:endParaRPr lang="es-VE"/>
           </a:p>
@@ -1344,7 +1345,7 @@
           <a:p>
             <a:fld id="{82A1039A-334B-47FD-A92A-C41DEBA60EED}" type="datetimeFigureOut">
               <a:rPr lang="es-VE" smtClean="0"/>
-              <a:t>09/05/2019</a:t>
+              <a:t>17/05/2019</a:t>
             </a:fld>
             <a:endParaRPr lang="es-VE"/>
           </a:p>
@@ -1766,7 +1767,7 @@
           <a:p>
             <a:fld id="{82A1039A-334B-47FD-A92A-C41DEBA60EED}" type="datetimeFigureOut">
               <a:rPr lang="es-VE" smtClean="0"/>
-              <a:t>09/05/2019</a:t>
+              <a:t>17/05/2019</a:t>
             </a:fld>
             <a:endParaRPr lang="es-VE"/>
           </a:p>
@@ -1884,7 +1885,7 @@
           <a:p>
             <a:fld id="{82A1039A-334B-47FD-A92A-C41DEBA60EED}" type="datetimeFigureOut">
               <a:rPr lang="es-VE" smtClean="0"/>
-              <a:t>09/05/2019</a:t>
+              <a:t>17/05/2019</a:t>
             </a:fld>
             <a:endParaRPr lang="es-VE"/>
           </a:p>
@@ -1979,7 +1980,7 @@
           <a:p>
             <a:fld id="{82A1039A-334B-47FD-A92A-C41DEBA60EED}" type="datetimeFigureOut">
               <a:rPr lang="es-VE" smtClean="0"/>
-              <a:t>09/05/2019</a:t>
+              <a:t>17/05/2019</a:t>
             </a:fld>
             <a:endParaRPr lang="es-VE"/>
           </a:p>
@@ -2256,7 +2257,7 @@
           <a:p>
             <a:fld id="{82A1039A-334B-47FD-A92A-C41DEBA60EED}" type="datetimeFigureOut">
               <a:rPr lang="es-VE" smtClean="0"/>
-              <a:t>09/05/2019</a:t>
+              <a:t>17/05/2019</a:t>
             </a:fld>
             <a:endParaRPr lang="es-VE"/>
           </a:p>
@@ -2509,7 +2510,7 @@
           <a:p>
             <a:fld id="{82A1039A-334B-47FD-A92A-C41DEBA60EED}" type="datetimeFigureOut">
               <a:rPr lang="es-VE" smtClean="0"/>
-              <a:t>09/05/2019</a:t>
+              <a:t>17/05/2019</a:t>
             </a:fld>
             <a:endParaRPr lang="es-VE"/>
           </a:p>
@@ -2722,7 +2723,7 @@
           <a:p>
             <a:fld id="{82A1039A-334B-47FD-A92A-C41DEBA60EED}" type="datetimeFigureOut">
               <a:rPr lang="es-VE" smtClean="0"/>
-              <a:t>09/05/2019</a:t>
+              <a:t>17/05/2019</a:t>
             </a:fld>
             <a:endParaRPr lang="es-VE"/>
           </a:p>
@@ -3882,6 +3883,82 @@
 </p:sld>
 </file>
 
+<file path=ppt/slides/slide4.xml><?xml version="1.0" encoding="utf-8"?>
+<p:sld xmlns:a="http://schemas.openxmlformats.org/drawingml/2006/main" xmlns:r="http://schemas.openxmlformats.org/officeDocument/2006/relationships" xmlns:p="http://schemas.openxmlformats.org/presentationml/2006/main">
+  <p:cSld>
+    <p:spTree>
+      <p:nvGrpSpPr>
+        <p:cNvPr id="1" name=""/>
+        <p:cNvGrpSpPr/>
+        <p:nvPr/>
+      </p:nvGrpSpPr>
+      <p:grpSpPr>
+        <a:xfrm>
+          <a:off x="0" y="0"/>
+          <a:ext cx="0" cy="0"/>
+          <a:chOff x="0" y="0"/>
+          <a:chExt cx="0" cy="0"/>
+        </a:xfrm>
+      </p:grpSpPr>
+      <p:pic>
+        <p:nvPicPr>
+          <p:cNvPr id="2" name="1 Imagen"/>
+          <p:cNvPicPr>
+            <a:picLocks noChangeAspect="1"/>
+          </p:cNvPicPr>
+          <p:nvPr/>
+        </p:nvPicPr>
+        <p:blipFill>
+          <a:blip r:embed="rId2">
+            <a:extLst>
+              <a:ext uri="{BEBA8EAE-BF5A-486C-A8C5-ECC9F3942E4B}">
+                <a14:imgProps xmlns:a14="http://schemas.microsoft.com/office/drawing/2010/main">
+                  <a14:imgLayer r:embed="rId3">
+                    <a14:imgEffect>
+                      <a14:backgroundRemoval t="0" b="100000" l="0" r="100000">
+                        <a14:foregroundMark x1="37421" y1="43008" x2="25159" y2="46610"/>
+                        <a14:foregroundMark x1="33404" y1="57415" x2="36152" y2="61864"/>
+                        <a14:foregroundMark x1="24947" y1="66525" x2="36152" y2="65466"/>
+                        <a14:foregroundMark x1="25159" y1="50424" x2="39535" y2="59534"/>
+                        <a14:foregroundMark x1="48626" y1="43220" x2="54968" y2="68432"/>
+                        <a14:foregroundMark x1="73150" y1="30297" x2="63848" y2="68008"/>
+                      </a14:backgroundRemoval>
+                    </a14:imgEffect>
+                  </a14:imgLayer>
+                </a14:imgProps>
+              </a:ext>
+              <a:ext uri="{28A0092B-C50C-407E-A947-70E740481C1C}">
+                <a14:useLocalDpi xmlns:a14="http://schemas.microsoft.com/office/drawing/2010/main" val="0"/>
+              </a:ext>
+            </a:extLst>
+          </a:blip>
+          <a:stretch>
+            <a:fillRect/>
+          </a:stretch>
+        </p:blipFill>
+        <p:spPr>
+          <a:xfrm>
+            <a:off x="2627784" y="1772816"/>
+            <a:ext cx="2883170" cy="2877074"/>
+          </a:xfrm>
+          <a:prstGeom prst="rect">
+            <a:avLst/>
+          </a:prstGeom>
+        </p:spPr>
+      </p:pic>
+    </p:spTree>
+    <p:extLst>
+      <p:ext uri="{BB962C8B-B14F-4D97-AF65-F5344CB8AC3E}">
+        <p14:creationId xmlns:p14="http://schemas.microsoft.com/office/powerpoint/2010/main" val="2618348409"/>
+      </p:ext>
+    </p:extLst>
+  </p:cSld>
+  <p:clrMapOvr>
+    <a:masterClrMapping/>
+  </p:clrMapOvr>
+</p:sld>
+</file>
+
 <file path=ppt/theme/theme1.xml><?xml version="1.0" encoding="utf-8"?>
 <a:theme xmlns:a="http://schemas.openxmlformats.org/drawingml/2006/main" name="Tema de Office">
   <a:themeElements>
